--- a/FinalProject/report.pptx
+++ b/FinalProject/report.pptx
@@ -10,6 +10,8 @@
     <p:sldId id="258" r:id="rId4"/>
     <p:sldId id="259" r:id="rId5"/>
     <p:sldId id="260" r:id="rId6"/>
+    <p:sldId id="261" r:id="rId7"/>
+    <p:sldId id="262" r:id="rId8"/>
   </p:sldIdLst>
   <p:sldSz cx="12192000" cy="6858000"/>
   <p:notesSz cx="6858000" cy="9144000"/>
@@ -108,6 +110,11 @@
       </a:defRPr>
     </a:lvl9pPr>
   </p:defaultTextStyle>
+  <p:extLst>
+    <p:ext uri="{EFAFB233-063F-42B5-8137-9DF3F51BA10A}">
+      <p15:sldGuideLst xmlns:p15="http://schemas.microsoft.com/office/powerpoint/2012/main"/>
+    </p:ext>
+  </p:extLst>
 </p:presentation>
 </file>
 
@@ -6202,7 +6209,7 @@
         </p:spPr>
         <p:txBody>
           <a:bodyPr>
-            <a:normAutofit fontScale="92500" lnSpcReduction="10000"/>
+            <a:normAutofit/>
           </a:bodyPr>
           <a:lstStyle/>
           <a:p>
@@ -6210,11 +6217,11 @@
               <a:buNone/>
             </a:pPr>
             <a:r>
-              <a:rPr lang="zh-CN" altLang="en-US" dirty="0"/>
+              <a:rPr lang="zh-CN" altLang="en-US" cap="none" dirty="0"/>
               <a:t>来自：</a:t>
             </a:r>
             <a:r>
-              <a:rPr lang="en-US" altLang="zh-CN" sz="1600" b="0" i="0" dirty="0">
+              <a:rPr lang="en-US" altLang="zh-CN" sz="1600" b="0" i="0" cap="none" dirty="0">
                 <a:solidFill>
                   <a:srgbClr val="404040"/>
                 </a:solidFill>
@@ -6224,7 +6231,7 @@
               <a:t>Jensen, Henrik </a:t>
             </a:r>
             <a:r>
-              <a:rPr lang="en-US" altLang="zh-CN" sz="1600" b="0" i="0" dirty="0" err="1">
+              <a:rPr lang="en-US" altLang="zh-CN" sz="1600" b="0" i="0" cap="none" dirty="0" err="1">
                 <a:solidFill>
                   <a:srgbClr val="404040"/>
                 </a:solidFill>
@@ -6234,7 +6241,7 @@
               <a:t>Wann</a:t>
             </a:r>
             <a:r>
-              <a:rPr lang="en-US" altLang="zh-CN" sz="1600" b="0" i="0" dirty="0">
+              <a:rPr lang="en-US" altLang="zh-CN" sz="1600" b="0" i="0" cap="none" dirty="0">
                 <a:solidFill>
                   <a:srgbClr val="404040"/>
                 </a:solidFill>
@@ -6244,7 +6251,7 @@
               <a:t>, et al. </a:t>
             </a:r>
             <a:r>
-              <a:rPr lang="en-US" altLang="zh-CN" sz="1600" b="0" i="1" u="sng" dirty="0">
+              <a:rPr lang="en-US" altLang="zh-CN" sz="1600" b="0" i="1" u="sng" cap="none" dirty="0">
                 <a:solidFill>
                   <a:srgbClr val="404040"/>
                 </a:solidFill>
@@ -6255,7 +6262,7 @@
               <a:t>“A practical model for subsurface light transport.”</a:t>
             </a:r>
             <a:r>
-              <a:rPr lang="en-US" altLang="zh-CN" sz="1600" b="0" i="0" dirty="0">
+              <a:rPr lang="en-US" altLang="zh-CN" sz="1600" b="0" i="0" cap="none" dirty="0">
                 <a:solidFill>
                   <a:srgbClr val="404040"/>
                 </a:solidFill>
@@ -6395,7 +6402,7 @@
           <a:lstStyle/>
           <a:p>
             <a:r>
-              <a:rPr lang="en-US" altLang="zh-CN" sz="2000" b="1" i="0" dirty="0">
+              <a:rPr lang="en-US" altLang="zh-CN" sz="2000" b="1" i="0" cap="none" dirty="0">
                 <a:solidFill>
                   <a:srgbClr val="404040"/>
                 </a:solidFill>
@@ -6443,7 +6450,7 @@
               <a:t>来自：</a:t>
             </a:r>
             <a:r>
-              <a:rPr lang="en-US" altLang="zh-CN" b="0" i="0" dirty="0">
+              <a:rPr lang="en-US" altLang="zh-CN" b="0" i="0" cap="none" dirty="0">
                 <a:solidFill>
                   <a:srgbClr val="404040"/>
                 </a:solidFill>
@@ -6453,7 +6460,7 @@
               <a:t>Christensen, Per H., and Brent Burley. </a:t>
             </a:r>
             <a:r>
-              <a:rPr lang="en-US" altLang="zh-CN" b="0" i="1" u="sng" dirty="0">
+              <a:rPr lang="en-US" altLang="zh-CN" b="0" i="1" u="sng" cap="none" dirty="0">
                 <a:solidFill>
                   <a:srgbClr val="404040"/>
                 </a:solidFill>
@@ -6464,7 +6471,7 @@
               <a:t>“Approximate reﬂectance profiles for efficient subsurface scattering.”</a:t>
             </a:r>
             <a:r>
-              <a:rPr lang="en-US" altLang="zh-CN" b="0" i="0" dirty="0">
+              <a:rPr lang="en-US" altLang="zh-CN" b="0" i="0" cap="none" dirty="0">
                 <a:solidFill>
                   <a:srgbClr val="404040"/>
                 </a:solidFill>
@@ -6624,79 +6631,86 @@
         </p:spPr>
         <p:txBody>
           <a:bodyPr>
-            <a:normAutofit fontScale="92500" lnSpcReduction="10000"/>
+            <a:normAutofit fontScale="85000" lnSpcReduction="10000"/>
           </a:bodyPr>
           <a:lstStyle/>
           <a:p>
             <a:r>
-              <a:rPr lang="zh-CN" altLang="en-US" dirty="0"/>
+              <a:rPr lang="zh-CN" altLang="en-US" cap="none" dirty="0"/>
               <a:t>确定球面半径</a:t>
             </a:r>
             <a:r>
-              <a:rPr lang="en-US" altLang="zh-CN" dirty="0"/>
-              <a:t>rm</a:t>
-            </a:r>
-            <a:r>
-              <a:rPr lang="zh-CN" altLang="en-US" dirty="0"/>
+              <a:rPr lang="en-US" altLang="zh-CN" cap="none" dirty="0"/>
+              <a:t>Rm</a:t>
+            </a:r>
+            <a:r>
+              <a:rPr lang="zh-CN" altLang="en-US" cap="none" dirty="0"/>
               <a:t>，入射点必须在球体内。</a:t>
             </a:r>
-            <a:endParaRPr lang="en-US" altLang="zh-CN" dirty="0">
+            <a:endParaRPr lang="en-US" altLang="zh-CN" cap="none" dirty="0">
               <a:latin typeface="Lucida Fax" panose="02060602050505020204" pitchFamily="18" charset="0"/>
             </a:endParaRPr>
           </a:p>
           <a:p>
             <a:r>
-              <a:rPr lang="zh-CN" altLang="en-US" dirty="0"/>
+              <a:rPr lang="zh-CN" altLang="en-US" cap="none" dirty="0"/>
               <a:t>在</a:t>
             </a:r>
             <a:r>
-              <a:rPr lang="en-US" altLang="zh-CN" dirty="0"/>
+              <a:rPr lang="en-US" altLang="zh-CN" cap="none" dirty="0"/>
               <a:t>[0,Rm]</a:t>
             </a:r>
             <a:r>
-              <a:rPr lang="zh-CN" altLang="en-US" dirty="0"/>
+              <a:rPr lang="zh-CN" altLang="en-US" cap="none" dirty="0"/>
               <a:t>中，以某种分布方式采样</a:t>
             </a:r>
             <a:r>
-              <a:rPr lang="en-US" altLang="zh-CN" dirty="0"/>
+              <a:rPr lang="en-US" altLang="zh-CN" cap="none" dirty="0"/>
               <a:t>r</a:t>
             </a:r>
             <a:r>
-              <a:rPr lang="zh-CN" altLang="en-US" dirty="0"/>
+              <a:rPr lang="zh-CN" altLang="en-US" cap="none" dirty="0"/>
               <a:t>。</a:t>
             </a:r>
-            <a:endParaRPr lang="en-US" altLang="zh-CN" dirty="0"/>
-          </a:p>
-          <a:p>
-            <a:r>
-              <a:rPr lang="zh-CN" altLang="en-US" dirty="0"/>
+            <a:endParaRPr lang="en-US" altLang="zh-CN" cap="none" dirty="0"/>
+          </a:p>
+          <a:p>
+            <a:r>
+              <a:rPr lang="zh-CN" altLang="en-US" cap="none" dirty="0"/>
               <a:t>以</a:t>
             </a:r>
             <a:r>
-              <a:rPr lang="en-US" altLang="zh-CN" dirty="0"/>
-              <a:t>p</a:t>
-            </a:r>
-            <a:r>
-              <a:rPr lang="zh-CN" altLang="en-US" dirty="0"/>
+              <a:rPr lang="en-US" altLang="zh-CN" cap="none" dirty="0"/>
+              <a:t>P</a:t>
+            </a:r>
+            <a:r>
+              <a:rPr lang="zh-CN" altLang="en-US" cap="none" dirty="0"/>
               <a:t>圆心，</a:t>
             </a:r>
             <a:r>
-              <a:rPr lang="en-US" altLang="zh-CN" dirty="0"/>
+              <a:rPr lang="en-US" altLang="zh-CN" cap="none" dirty="0"/>
               <a:t>r</a:t>
             </a:r>
             <a:r>
-              <a:rPr lang="zh-CN" altLang="en-US" dirty="0"/>
+              <a:rPr lang="zh-CN" altLang="en-US" cap="none" dirty="0"/>
               <a:t>为半径，法线</a:t>
             </a:r>
             <a:r>
-              <a:rPr lang="en-US" altLang="zh-CN" dirty="0"/>
+              <a:rPr lang="en-US" altLang="zh-CN" cap="none" dirty="0"/>
               <a:t>N</a:t>
             </a:r>
             <a:r>
-              <a:rPr lang="zh-CN" altLang="en-US" dirty="0"/>
+              <a:rPr lang="zh-CN" altLang="en-US" cap="none" dirty="0"/>
               <a:t>为对称轴，作一个圆柱面，与物体表面相交。入射点就在这条交线上。</a:t>
             </a:r>
-            <a:endParaRPr lang="en-US" altLang="zh-CN" dirty="0"/>
+            <a:endParaRPr lang="en-US" altLang="zh-CN" cap="none" dirty="0"/>
+          </a:p>
+          <a:p>
+            <a:r>
+              <a:rPr lang="zh-CN" altLang="en-US" cap="none" dirty="0"/>
+              <a:t>随机一个角度，确定入射点。</a:t>
+            </a:r>
+            <a:endParaRPr lang="en-US" altLang="zh-CN" cap="none" dirty="0"/>
           </a:p>
         </p:txBody>
       </p:sp>
@@ -6805,6 +6819,36 @@
           </a:p>
         </p:txBody>
       </p:sp>
+      <p:pic>
+        <p:nvPicPr>
+          <p:cNvPr id="7" name="图片 6">
+            <a:extLst>
+              <a:ext uri="{FF2B5EF4-FFF2-40B4-BE49-F238E27FC236}">
+                <a16:creationId xmlns:a16="http://schemas.microsoft.com/office/drawing/2014/main" id="{098D21EB-D499-4672-AFCD-CA385FFE0F25}"/>
+              </a:ext>
+            </a:extLst>
+          </p:cNvPr>
+          <p:cNvPicPr>
+            <a:picLocks noChangeAspect="1"/>
+          </p:cNvPicPr>
+          <p:nvPr/>
+        </p:nvPicPr>
+        <p:blipFill>
+          <a:blip r:embed="rId4"/>
+          <a:stretch>
+            <a:fillRect/>
+          </a:stretch>
+        </p:blipFill>
+        <p:spPr>
+          <a:xfrm>
+            <a:off x="6598724" y="4901085"/>
+            <a:ext cx="3794143" cy="704068"/>
+          </a:xfrm>
+          <a:prstGeom prst="rect">
+            <a:avLst/>
+          </a:prstGeom>
+        </p:spPr>
+      </p:pic>
     </p:spTree>
     <p:extLst>
       <p:ext uri="{BB962C8B-B14F-4D97-AF65-F5344CB8AC3E}">
@@ -6851,12 +6895,23 @@
             <p:ph type="title"/>
           </p:nvPr>
         </p:nvSpPr>
-        <p:spPr/>
-        <p:txBody>
-          <a:bodyPr/>
-          <a:lstStyle/>
-          <a:p>
-            <a:endParaRPr lang="zh-CN" altLang="en-US"/>
+        <p:spPr>
+          <a:xfrm>
+            <a:off x="913775" y="618517"/>
+            <a:ext cx="10364451" cy="862861"/>
+          </a:xfrm>
+        </p:spPr>
+        <p:txBody>
+          <a:bodyPr>
+            <a:normAutofit/>
+          </a:bodyPr>
+          <a:lstStyle/>
+          <a:p>
+            <a:r>
+              <a:rPr lang="en-US" altLang="zh-CN" cap="none" dirty="0"/>
+              <a:t>Inverse Sampling</a:t>
+            </a:r>
+            <a:endParaRPr lang="zh-CN" altLang="en-US" cap="none" dirty="0"/>
           </a:p>
         </p:txBody>
       </p:sp>
@@ -6876,12 +6931,248 @@
             <p:ph sz="quarter" idx="13"/>
           </p:nvPr>
         </p:nvSpPr>
-        <p:spPr/>
-        <p:txBody>
-          <a:bodyPr/>
-          <a:lstStyle/>
-          <a:p>
-            <a:endParaRPr lang="zh-CN" altLang="en-US"/>
+        <p:spPr>
+          <a:xfrm>
+            <a:off x="709437" y="6239483"/>
+            <a:ext cx="10363826" cy="411677"/>
+          </a:xfrm>
+        </p:spPr>
+        <p:txBody>
+          <a:bodyPr>
+            <a:normAutofit lnSpcReduction="10000"/>
+          </a:bodyPr>
+          <a:lstStyle/>
+          <a:p>
+            <a:pPr marL="0" indent="0">
+              <a:buNone/>
+            </a:pPr>
+            <a:r>
+              <a:rPr lang="zh-CN" altLang="en-US" cap="none" dirty="0"/>
+              <a:t>来自：</a:t>
+            </a:r>
+            <a:r>
+              <a:rPr lang="en-US" altLang="zh-CN" cap="none" dirty="0"/>
+              <a:t>https://gao-duan.github.io/blogs/bssrdf/index.html</a:t>
+            </a:r>
+            <a:endParaRPr lang="zh-CN" altLang="en-US" cap="none" dirty="0"/>
+          </a:p>
+        </p:txBody>
+      </p:sp>
+      <p:pic>
+        <p:nvPicPr>
+          <p:cNvPr id="12" name="图片 11">
+            <a:extLst>
+              <a:ext uri="{FF2B5EF4-FFF2-40B4-BE49-F238E27FC236}">
+                <a16:creationId xmlns:a16="http://schemas.microsoft.com/office/drawing/2014/main" id="{68F34704-4060-4F50-8E5C-9058F62F6C86}"/>
+              </a:ext>
+            </a:extLst>
+          </p:cNvPr>
+          <p:cNvPicPr>
+            <a:picLocks noChangeAspect="1"/>
+          </p:cNvPicPr>
+          <p:nvPr/>
+        </p:nvPicPr>
+        <p:blipFill>
+          <a:blip r:embed="rId2"/>
+          <a:stretch>
+            <a:fillRect/>
+          </a:stretch>
+        </p:blipFill>
+        <p:spPr>
+          <a:xfrm>
+            <a:off x="709437" y="1651685"/>
+            <a:ext cx="4141634" cy="3468171"/>
+          </a:xfrm>
+          <a:prstGeom prst="rect">
+            <a:avLst/>
+          </a:prstGeom>
+        </p:spPr>
+      </p:pic>
+      <p:pic>
+        <p:nvPicPr>
+          <p:cNvPr id="16" name="图片 15">
+            <a:extLst>
+              <a:ext uri="{FF2B5EF4-FFF2-40B4-BE49-F238E27FC236}">
+                <a16:creationId xmlns:a16="http://schemas.microsoft.com/office/drawing/2014/main" id="{7CC6FA9E-61EB-462C-B3A4-9ACDED60B708}"/>
+              </a:ext>
+            </a:extLst>
+          </p:cNvPr>
+          <p:cNvPicPr>
+            <a:picLocks noChangeAspect="1"/>
+          </p:cNvPicPr>
+          <p:nvPr/>
+        </p:nvPicPr>
+        <p:blipFill>
+          <a:blip r:embed="rId3"/>
+          <a:stretch>
+            <a:fillRect/>
+          </a:stretch>
+        </p:blipFill>
+        <p:spPr>
+          <a:xfrm>
+            <a:off x="758186" y="5158525"/>
+            <a:ext cx="3445679" cy="910651"/>
+          </a:xfrm>
+          <a:prstGeom prst="rect">
+            <a:avLst/>
+          </a:prstGeom>
+        </p:spPr>
+      </p:pic>
+      <p:sp>
+        <p:nvSpPr>
+          <p:cNvPr id="17" name="文本框 16">
+            <a:extLst>
+              <a:ext uri="{FF2B5EF4-FFF2-40B4-BE49-F238E27FC236}">
+                <a16:creationId xmlns:a16="http://schemas.microsoft.com/office/drawing/2014/main" id="{9482A659-4ECB-4E69-A4BA-167D5B27DADC}"/>
+              </a:ext>
+            </a:extLst>
+          </p:cNvPr>
+          <p:cNvSpPr txBox="1"/>
+          <p:nvPr/>
+        </p:nvSpPr>
+        <p:spPr>
+          <a:xfrm>
+            <a:off x="6151418" y="2131621"/>
+            <a:ext cx="4191990" cy="2031325"/>
+          </a:xfrm>
+          <a:prstGeom prst="rect">
+            <a:avLst/>
+          </a:prstGeom>
+          <a:noFill/>
+        </p:spPr>
+        <p:txBody>
+          <a:bodyPr wrap="square" rtlCol="0">
+            <a:spAutoFit/>
+          </a:bodyPr>
+          <a:lstStyle/>
+          <a:p>
+            <a:r>
+              <a:rPr lang="en-US" altLang="zh-CN" dirty="0"/>
+              <a:t>[0,1]</a:t>
+            </a:r>
+            <a:r>
+              <a:rPr lang="zh-CN" altLang="en-US" dirty="0"/>
+              <a:t>中随机一个数</a:t>
+            </a:r>
+            <a:r>
+              <a:rPr lang="en-US" altLang="zh-CN" dirty="0"/>
+              <a:t>u, r = cdf</a:t>
+            </a:r>
+            <a:r>
+              <a:rPr lang="en-US" altLang="zh-CN" baseline="30000" dirty="0"/>
+              <a:t>-1</a:t>
+            </a:r>
+            <a:r>
+              <a:rPr lang="en-US" altLang="zh-CN" dirty="0"/>
+              <a:t>(u) * d</a:t>
+            </a:r>
+          </a:p>
+          <a:p>
+            <a:r>
+              <a:rPr lang="zh-CN" altLang="en-US" dirty="0"/>
+              <a:t>计算</a:t>
+            </a:r>
+            <a:r>
+              <a:rPr lang="en-US" altLang="zh-CN" dirty="0" err="1"/>
+              <a:t>pdf</a:t>
+            </a:r>
+            <a:r>
+              <a:rPr lang="en-US" altLang="zh-CN" baseline="-25000" dirty="0" err="1"/>
+              <a:t>disk</a:t>
+            </a:r>
+            <a:r>
+              <a:rPr lang="en-US" altLang="zh-CN" dirty="0"/>
+              <a:t> = Sr’(r)</a:t>
+            </a:r>
+          </a:p>
+          <a:p>
+            <a:endParaRPr lang="en-US" altLang="zh-CN" dirty="0"/>
+          </a:p>
+          <a:p>
+            <a:r>
+              <a:rPr lang="zh-CN" altLang="en-US" dirty="0"/>
+              <a:t>随机一个</a:t>
+            </a:r>
+            <a:r>
+              <a:rPr lang="en-US" altLang="zh-CN" dirty="0"/>
+              <a:t>channel</a:t>
+            </a:r>
+          </a:p>
+          <a:p>
+            <a:r>
+              <a:rPr lang="zh-CN" altLang="en-US" dirty="0"/>
+              <a:t>计算</a:t>
+            </a:r>
+            <a:r>
+              <a:rPr lang="en-US" altLang="zh-CN" dirty="0" err="1"/>
+              <a:t>pdf</a:t>
+            </a:r>
+            <a:r>
+              <a:rPr lang="en-US" altLang="zh-CN" baseline="-25000" dirty="0" err="1"/>
+              <a:t>channel</a:t>
+            </a:r>
+            <a:r>
+              <a:rPr lang="en-US" altLang="zh-CN" baseline="-25000" dirty="0"/>
+              <a:t> </a:t>
+            </a:r>
+            <a:r>
+              <a:rPr lang="en-US" altLang="zh-CN" dirty="0"/>
+              <a:t>= 1/3</a:t>
+            </a:r>
+          </a:p>
+          <a:p>
+            <a:endParaRPr lang="en-US" altLang="zh-CN" dirty="0"/>
+          </a:p>
+          <a:p>
+            <a:r>
+              <a:rPr lang="zh-CN" altLang="en-US" dirty="0"/>
+              <a:t>最终</a:t>
+            </a:r>
+            <a:r>
+              <a:rPr lang="en-US" altLang="zh-CN" dirty="0"/>
+              <a:t>Pdf = </a:t>
+            </a:r>
+            <a:r>
+              <a:rPr lang="en-US" altLang="zh-CN" dirty="0" err="1"/>
+              <a:t>pdf</a:t>
+            </a:r>
+            <a:r>
+              <a:rPr lang="en-US" altLang="zh-CN" baseline="-25000" dirty="0" err="1"/>
+              <a:t>disk</a:t>
+            </a:r>
+            <a:r>
+              <a:rPr lang="en-US" altLang="zh-CN" baseline="-25000" dirty="0"/>
+              <a:t> </a:t>
+            </a:r>
+            <a:r>
+              <a:rPr lang="en-US" altLang="zh-CN" dirty="0" err="1"/>
+              <a:t>pdf</a:t>
+            </a:r>
+            <a:r>
+              <a:rPr lang="en-US" altLang="zh-CN" baseline="-25000" dirty="0" err="1"/>
+              <a:t>channel</a:t>
+            </a:r>
+            <a:r>
+              <a:rPr lang="en-US" altLang="zh-CN" baseline="-25000" dirty="0"/>
+              <a:t> </a:t>
+            </a:r>
+            <a:r>
+              <a:rPr lang="en-US" altLang="zh-CN" dirty="0"/>
+              <a:t>|</a:t>
+            </a:r>
+            <a:r>
+              <a:rPr lang="en-US" altLang="zh-CN" dirty="0" err="1"/>
+              <a:t>V•N</a:t>
+            </a:r>
+            <a:r>
+              <a:rPr lang="en-US" altLang="zh-CN" baseline="-25000" dirty="0" err="1"/>
+              <a:t>hit</a:t>
+            </a:r>
+            <a:r>
+              <a:rPr lang="en-US" altLang="zh-CN" dirty="0"/>
+              <a:t>|</a:t>
+            </a:r>
+            <a:endParaRPr lang="zh-CN" altLang="en-US" dirty="0"/>
           </a:p>
         </p:txBody>
       </p:sp>
@@ -6889,6 +7180,717 @@
     <p:extLst>
       <p:ext uri="{BB962C8B-B14F-4D97-AF65-F5344CB8AC3E}">
         <p14:creationId xmlns:p14="http://schemas.microsoft.com/office/powerpoint/2010/main" val="527165732"/>
+      </p:ext>
+    </p:extLst>
+  </p:cSld>
+  <p:clrMapOvr>
+    <a:masterClrMapping/>
+  </p:clrMapOvr>
+</p:sld>
+</file>
+
+<file path=ppt/slides/slide6.xml><?xml version="1.0" encoding="utf-8"?>
+<p:sld xmlns:a="http://schemas.openxmlformats.org/drawingml/2006/main" xmlns:r="http://schemas.openxmlformats.org/officeDocument/2006/relationships" xmlns:p="http://schemas.openxmlformats.org/presentationml/2006/main">
+  <p:cSld>
+    <p:spTree>
+      <p:nvGrpSpPr>
+        <p:cNvPr id="1" name=""/>
+        <p:cNvGrpSpPr/>
+        <p:nvPr/>
+      </p:nvGrpSpPr>
+      <p:grpSpPr>
+        <a:xfrm>
+          <a:off x="0" y="0"/>
+          <a:ext cx="0" cy="0"/>
+          <a:chOff x="0" y="0"/>
+          <a:chExt cx="0" cy="0"/>
+        </a:xfrm>
+      </p:grpSpPr>
+      <p:sp>
+        <p:nvSpPr>
+          <p:cNvPr id="2" name="标题 1">
+            <a:extLst>
+              <a:ext uri="{FF2B5EF4-FFF2-40B4-BE49-F238E27FC236}">
+                <a16:creationId xmlns:a16="http://schemas.microsoft.com/office/drawing/2014/main" id="{D39538E4-9091-42A6-A5F7-22C4C2F9025A}"/>
+              </a:ext>
+            </a:extLst>
+          </p:cNvPr>
+          <p:cNvSpPr>
+            <a:spLocks noGrp="1"/>
+          </p:cNvSpPr>
+          <p:nvPr>
+            <p:ph type="title"/>
+          </p:nvPr>
+        </p:nvSpPr>
+        <p:spPr>
+          <a:xfrm>
+            <a:off x="913775" y="618517"/>
+            <a:ext cx="10364451" cy="854023"/>
+          </a:xfrm>
+        </p:spPr>
+        <p:txBody>
+          <a:bodyPr/>
+          <a:lstStyle/>
+          <a:p>
+            <a:r>
+              <a:rPr lang="en-US" altLang="zh-CN" cap="none" dirty="0"/>
+              <a:t>Multiple Importance Sampling</a:t>
+            </a:r>
+            <a:endParaRPr lang="zh-CN" altLang="en-US" cap="none" dirty="0"/>
+          </a:p>
+        </p:txBody>
+      </p:sp>
+      <p:sp>
+        <p:nvSpPr>
+          <p:cNvPr id="3" name="内容占位符 2">
+            <a:extLst>
+              <a:ext uri="{FF2B5EF4-FFF2-40B4-BE49-F238E27FC236}">
+                <a16:creationId xmlns:a16="http://schemas.microsoft.com/office/drawing/2014/main" id="{A39D2F1E-10E0-40EB-83AD-AF15DBC87F55}"/>
+              </a:ext>
+            </a:extLst>
+          </p:cNvPr>
+          <p:cNvSpPr>
+            <a:spLocks noGrp="1"/>
+          </p:cNvSpPr>
+          <p:nvPr>
+            <p:ph sz="quarter" idx="13"/>
+          </p:nvPr>
+        </p:nvSpPr>
+        <p:spPr>
+          <a:xfrm>
+            <a:off x="913775" y="6259077"/>
+            <a:ext cx="10363826" cy="369332"/>
+          </a:xfrm>
+        </p:spPr>
+        <p:txBody>
+          <a:bodyPr>
+            <a:normAutofit fontScale="85000" lnSpcReduction="10000"/>
+          </a:bodyPr>
+          <a:lstStyle/>
+          <a:p>
+            <a:pPr marL="0" indent="0">
+              <a:buNone/>
+            </a:pPr>
+            <a:r>
+              <a:rPr lang="zh-CN" altLang="en-US" cap="none" dirty="0"/>
+              <a:t>来自：</a:t>
+            </a:r>
+            <a:r>
+              <a:rPr lang="en-US" altLang="zh-CN" cap="none" dirty="0"/>
+              <a:t> http://shihchinw.github.io/2015/10/bssrdf-importance-sampling-of-normalized-diffusion.html</a:t>
+            </a:r>
+            <a:endParaRPr lang="zh-CN" altLang="en-US" cap="none" dirty="0"/>
+          </a:p>
+        </p:txBody>
+      </p:sp>
+      <p:pic>
+        <p:nvPicPr>
+          <p:cNvPr id="5" name="图片 4">
+            <a:extLst>
+              <a:ext uri="{FF2B5EF4-FFF2-40B4-BE49-F238E27FC236}">
+                <a16:creationId xmlns:a16="http://schemas.microsoft.com/office/drawing/2014/main" id="{C0962EA1-DCC6-4B2E-9063-7C5B92C779BC}"/>
+              </a:ext>
+            </a:extLst>
+          </p:cNvPr>
+          <p:cNvPicPr>
+            <a:picLocks noChangeAspect="1"/>
+          </p:cNvPicPr>
+          <p:nvPr/>
+        </p:nvPicPr>
+        <p:blipFill>
+          <a:blip r:embed="rId2"/>
+          <a:stretch>
+            <a:fillRect/>
+          </a:stretch>
+        </p:blipFill>
+        <p:spPr>
+          <a:xfrm>
+            <a:off x="762558" y="1564987"/>
+            <a:ext cx="3571935" cy="1152124"/>
+          </a:xfrm>
+          <a:prstGeom prst="rect">
+            <a:avLst/>
+          </a:prstGeom>
+        </p:spPr>
+      </p:pic>
+      <p:pic>
+        <p:nvPicPr>
+          <p:cNvPr id="7" name="图片 6">
+            <a:extLst>
+              <a:ext uri="{FF2B5EF4-FFF2-40B4-BE49-F238E27FC236}">
+                <a16:creationId xmlns:a16="http://schemas.microsoft.com/office/drawing/2014/main" id="{8DBE6ED2-AEC0-4BDF-8A3B-C70EBE1531D7}"/>
+              </a:ext>
+            </a:extLst>
+          </p:cNvPr>
+          <p:cNvPicPr>
+            <a:picLocks noChangeAspect="1"/>
+          </p:cNvPicPr>
+          <p:nvPr/>
+        </p:nvPicPr>
+        <p:blipFill>
+          <a:blip r:embed="rId3"/>
+          <a:stretch>
+            <a:fillRect/>
+          </a:stretch>
+        </p:blipFill>
+        <p:spPr>
+          <a:xfrm>
+            <a:off x="762558" y="2840059"/>
+            <a:ext cx="2853478" cy="1335371"/>
+          </a:xfrm>
+          <a:prstGeom prst="rect">
+            <a:avLst/>
+          </a:prstGeom>
+        </p:spPr>
+      </p:pic>
+      <p:pic>
+        <p:nvPicPr>
+          <p:cNvPr id="9" name="图片 8">
+            <a:extLst>
+              <a:ext uri="{FF2B5EF4-FFF2-40B4-BE49-F238E27FC236}">
+                <a16:creationId xmlns:a16="http://schemas.microsoft.com/office/drawing/2014/main" id="{743B9327-3AEF-4AF0-9FB3-87144A05F19F}"/>
+              </a:ext>
+            </a:extLst>
+          </p:cNvPr>
+          <p:cNvPicPr>
+            <a:picLocks noChangeAspect="1"/>
+          </p:cNvPicPr>
+          <p:nvPr/>
+        </p:nvPicPr>
+        <p:blipFill>
+          <a:blip r:embed="rId4"/>
+          <a:stretch>
+            <a:fillRect/>
+          </a:stretch>
+        </p:blipFill>
+        <p:spPr>
+          <a:xfrm>
+            <a:off x="762558" y="4280982"/>
+            <a:ext cx="2538782" cy="544759"/>
+          </a:xfrm>
+          <a:prstGeom prst="rect">
+            <a:avLst/>
+          </a:prstGeom>
+        </p:spPr>
+      </p:pic>
+      <p:pic>
+        <p:nvPicPr>
+          <p:cNvPr id="11" name="图片 10">
+            <a:extLst>
+              <a:ext uri="{FF2B5EF4-FFF2-40B4-BE49-F238E27FC236}">
+                <a16:creationId xmlns:a16="http://schemas.microsoft.com/office/drawing/2014/main" id="{9EF37A80-0D08-41EC-AAAD-0C29CDD7B3B1}"/>
+              </a:ext>
+            </a:extLst>
+          </p:cNvPr>
+          <p:cNvPicPr>
+            <a:picLocks noChangeAspect="1"/>
+          </p:cNvPicPr>
+          <p:nvPr/>
+        </p:nvPicPr>
+        <p:blipFill>
+          <a:blip r:embed="rId5"/>
+          <a:stretch>
+            <a:fillRect/>
+          </a:stretch>
+        </p:blipFill>
+        <p:spPr>
+          <a:xfrm>
+            <a:off x="762558" y="4869108"/>
+            <a:ext cx="2089094" cy="583121"/>
+          </a:xfrm>
+          <a:prstGeom prst="rect">
+            <a:avLst/>
+          </a:prstGeom>
+        </p:spPr>
+      </p:pic>
+      <p:pic>
+        <p:nvPicPr>
+          <p:cNvPr id="13" name="图片 12">
+            <a:extLst>
+              <a:ext uri="{FF2B5EF4-FFF2-40B4-BE49-F238E27FC236}">
+                <a16:creationId xmlns:a16="http://schemas.microsoft.com/office/drawing/2014/main" id="{7C5DC158-11FE-435F-89E3-5688F7302360}"/>
+              </a:ext>
+            </a:extLst>
+          </p:cNvPr>
+          <p:cNvPicPr>
+            <a:picLocks noChangeAspect="1"/>
+          </p:cNvPicPr>
+          <p:nvPr/>
+        </p:nvPicPr>
+        <p:blipFill>
+          <a:blip r:embed="rId6"/>
+          <a:stretch>
+            <a:fillRect/>
+          </a:stretch>
+        </p:blipFill>
+        <p:spPr>
+          <a:xfrm>
+            <a:off x="762558" y="5515826"/>
+            <a:ext cx="2125817" cy="524492"/>
+          </a:xfrm>
+          <a:prstGeom prst="rect">
+            <a:avLst/>
+          </a:prstGeom>
+        </p:spPr>
+      </p:pic>
+      <p:pic>
+        <p:nvPicPr>
+          <p:cNvPr id="15" name="图片 14">
+            <a:extLst>
+              <a:ext uri="{FF2B5EF4-FFF2-40B4-BE49-F238E27FC236}">
+                <a16:creationId xmlns:a16="http://schemas.microsoft.com/office/drawing/2014/main" id="{2F4ACF6C-EA33-4539-A6A7-A11EFB5D3E6D}"/>
+              </a:ext>
+            </a:extLst>
+          </p:cNvPr>
+          <p:cNvPicPr>
+            <a:picLocks noChangeAspect="1"/>
+          </p:cNvPicPr>
+          <p:nvPr/>
+        </p:nvPicPr>
+        <p:blipFill>
+          <a:blip r:embed="rId7"/>
+          <a:stretch>
+            <a:fillRect/>
+          </a:stretch>
+        </p:blipFill>
+        <p:spPr>
+          <a:xfrm>
+            <a:off x="8746943" y="1748453"/>
+            <a:ext cx="2224433" cy="854023"/>
+          </a:xfrm>
+          <a:prstGeom prst="rect">
+            <a:avLst/>
+          </a:prstGeom>
+        </p:spPr>
+      </p:pic>
+      <p:sp>
+        <p:nvSpPr>
+          <p:cNvPr id="16" name="文本框 15">
+            <a:extLst>
+              <a:ext uri="{FF2B5EF4-FFF2-40B4-BE49-F238E27FC236}">
+                <a16:creationId xmlns:a16="http://schemas.microsoft.com/office/drawing/2014/main" id="{4F9E2821-CF95-40F7-AC24-90DCFBC0EBA2}"/>
+              </a:ext>
+            </a:extLst>
+          </p:cNvPr>
+          <p:cNvSpPr txBox="1"/>
+          <p:nvPr/>
+        </p:nvSpPr>
+        <p:spPr>
+          <a:xfrm>
+            <a:off x="4868884" y="1806133"/>
+            <a:ext cx="4458304" cy="3693319"/>
+          </a:xfrm>
+          <a:prstGeom prst="rect">
+            <a:avLst/>
+          </a:prstGeom>
+          <a:noFill/>
+        </p:spPr>
+        <p:txBody>
+          <a:bodyPr wrap="square" rtlCol="0">
+            <a:spAutoFit/>
+          </a:bodyPr>
+          <a:lstStyle/>
+          <a:p>
+            <a:r>
+              <a:rPr lang="zh-CN" altLang="en-US" dirty="0"/>
+              <a:t>确定</a:t>
+            </a:r>
+            <a:r>
+              <a:rPr lang="en-US" altLang="zh-CN" dirty="0"/>
+              <a:t>Rm</a:t>
+            </a:r>
+          </a:p>
+          <a:p>
+            <a:r>
+              <a:rPr lang="zh-CN" altLang="en-US" dirty="0"/>
+              <a:t>以</a:t>
+            </a:r>
+            <a:r>
+              <a:rPr lang="en-US" altLang="zh-CN" dirty="0"/>
+              <a:t>w1</a:t>
+            </a:r>
+            <a:r>
+              <a:rPr lang="zh-CN" altLang="en-US" dirty="0"/>
+              <a:t>，</a:t>
+            </a:r>
+            <a:r>
+              <a:rPr lang="en-US" altLang="zh-CN" dirty="0"/>
+              <a:t>w2</a:t>
+            </a:r>
+            <a:r>
+              <a:rPr lang="zh-CN" altLang="en-US" dirty="0"/>
+              <a:t>为权值随机产生策略</a:t>
+            </a:r>
+            <a:endParaRPr lang="en-US" altLang="zh-CN" dirty="0"/>
+          </a:p>
+          <a:p>
+            <a:r>
+              <a:rPr lang="zh-CN" altLang="en-US" dirty="0"/>
+              <a:t>根据策略采样出对应的</a:t>
+            </a:r>
+            <a:r>
+              <a:rPr lang="en-US" altLang="zh-CN" dirty="0"/>
+              <a:t>r</a:t>
+            </a:r>
+          </a:p>
+          <a:p>
+            <a:endParaRPr lang="en-US" altLang="zh-CN" dirty="0"/>
+          </a:p>
+          <a:p>
+            <a:r>
+              <a:rPr lang="en-US" altLang="zh-CN" dirty="0" err="1"/>
+              <a:t>pdf</a:t>
+            </a:r>
+            <a:r>
+              <a:rPr lang="en-US" altLang="zh-CN" baseline="-25000" dirty="0" err="1"/>
+              <a:t>disk</a:t>
+            </a:r>
+            <a:r>
+              <a:rPr lang="en-US" altLang="zh-CN" dirty="0"/>
+              <a:t> = P</a:t>
+            </a:r>
+            <a:r>
+              <a:rPr lang="en-US" altLang="zh-CN" baseline="-25000" dirty="0"/>
+              <a:t>1</a:t>
+            </a:r>
+            <a:r>
+              <a:rPr lang="en-US" altLang="zh-CN" dirty="0"/>
+              <a:t>(r)  + P</a:t>
+            </a:r>
+            <a:r>
+              <a:rPr lang="en-US" altLang="zh-CN" baseline="-25000" dirty="0"/>
+              <a:t>2</a:t>
+            </a:r>
+            <a:r>
+              <a:rPr lang="en-US" altLang="zh-CN" dirty="0"/>
+              <a:t>(r)</a:t>
+            </a:r>
+          </a:p>
+          <a:p>
+            <a:r>
+              <a:rPr lang="zh-CN" altLang="en-US" dirty="0"/>
+              <a:t>策略</a:t>
+            </a:r>
+            <a:r>
+              <a:rPr lang="en-US" altLang="zh-CN" dirty="0"/>
+              <a:t>1</a:t>
+            </a:r>
+            <a:r>
+              <a:rPr lang="zh-CN" altLang="en-US" dirty="0"/>
+              <a:t>：</a:t>
+            </a:r>
+            <a:r>
+              <a:rPr lang="en-US" altLang="zh-CN" dirty="0" err="1"/>
+              <a:t>pdf</a:t>
+            </a:r>
+            <a:r>
+              <a:rPr lang="en-US" altLang="zh-CN" baseline="-25000" dirty="0" err="1"/>
+              <a:t>strategy</a:t>
+            </a:r>
+            <a:r>
+              <a:rPr lang="en-US" altLang="zh-CN" dirty="0"/>
+              <a:t> =  w1 / (w1 + w2)</a:t>
+            </a:r>
+          </a:p>
+          <a:p>
+            <a:r>
+              <a:rPr lang="zh-CN" altLang="en-US" dirty="0"/>
+              <a:t>策略</a:t>
+            </a:r>
+            <a:r>
+              <a:rPr lang="en-US" altLang="zh-CN" dirty="0"/>
+              <a:t>2</a:t>
+            </a:r>
+            <a:r>
+              <a:rPr lang="zh-CN" altLang="en-US" dirty="0"/>
+              <a:t>：</a:t>
+            </a:r>
+            <a:r>
+              <a:rPr lang="en-US" altLang="zh-CN" dirty="0" err="1"/>
+              <a:t>pdf</a:t>
+            </a:r>
+            <a:r>
+              <a:rPr lang="en-US" altLang="zh-CN" baseline="-25000" dirty="0" err="1"/>
+              <a:t>strategy</a:t>
+            </a:r>
+            <a:r>
+              <a:rPr lang="en-US" altLang="zh-CN" dirty="0"/>
+              <a:t> = w2 / (w1 + w2)</a:t>
+            </a:r>
+          </a:p>
+          <a:p>
+            <a:endParaRPr lang="en-US" altLang="zh-CN" dirty="0"/>
+          </a:p>
+          <a:p>
+            <a:r>
+              <a:rPr lang="zh-CN" altLang="en-US" dirty="0"/>
+              <a:t>随机一个</a:t>
+            </a:r>
+            <a:r>
+              <a:rPr lang="en-US" altLang="zh-CN" dirty="0"/>
+              <a:t>channel</a:t>
+            </a:r>
+          </a:p>
+          <a:p>
+            <a:r>
+              <a:rPr lang="zh-CN" altLang="en-US" dirty="0"/>
+              <a:t>计算</a:t>
+            </a:r>
+            <a:r>
+              <a:rPr lang="en-US" altLang="zh-CN" dirty="0" err="1"/>
+              <a:t>pdf</a:t>
+            </a:r>
+            <a:r>
+              <a:rPr lang="en-US" altLang="zh-CN" baseline="-25000" dirty="0" err="1"/>
+              <a:t>channel</a:t>
+            </a:r>
+            <a:r>
+              <a:rPr lang="en-US" altLang="zh-CN" baseline="-25000" dirty="0"/>
+              <a:t> </a:t>
+            </a:r>
+            <a:r>
+              <a:rPr lang="en-US" altLang="zh-CN" dirty="0"/>
+              <a:t>= 1/3</a:t>
+            </a:r>
+          </a:p>
+          <a:p>
+            <a:endParaRPr lang="en-US" altLang="zh-CN" dirty="0"/>
+          </a:p>
+          <a:p>
+            <a:r>
+              <a:rPr lang="zh-CN" altLang="en-US" dirty="0"/>
+              <a:t>最终</a:t>
+            </a:r>
+            <a:r>
+              <a:rPr lang="en-US" altLang="zh-CN" dirty="0"/>
+              <a:t>Pdf = </a:t>
+            </a:r>
+            <a:r>
+              <a:rPr lang="en-US" altLang="zh-CN" dirty="0" err="1"/>
+              <a:t>pdf</a:t>
+            </a:r>
+            <a:r>
+              <a:rPr lang="en-US" altLang="zh-CN" baseline="-25000" dirty="0" err="1"/>
+              <a:t>disk</a:t>
+            </a:r>
+            <a:r>
+              <a:rPr lang="en-US" altLang="zh-CN" baseline="-25000" dirty="0"/>
+              <a:t> </a:t>
+            </a:r>
+            <a:r>
+              <a:rPr lang="en-US" altLang="zh-CN" dirty="0" err="1"/>
+              <a:t>pdf</a:t>
+            </a:r>
+            <a:r>
+              <a:rPr lang="en-US" altLang="zh-CN" baseline="-25000" dirty="0" err="1"/>
+              <a:t>strategy</a:t>
+            </a:r>
+            <a:r>
+              <a:rPr lang="en-US" altLang="zh-CN" baseline="-25000" dirty="0"/>
+              <a:t> </a:t>
+            </a:r>
+            <a:r>
+              <a:rPr lang="en-US" altLang="zh-CN" dirty="0" err="1"/>
+              <a:t>pdf</a:t>
+            </a:r>
+            <a:r>
+              <a:rPr lang="en-US" altLang="zh-CN" baseline="-25000" dirty="0" err="1"/>
+              <a:t>channel</a:t>
+            </a:r>
+            <a:r>
+              <a:rPr lang="en-US" altLang="zh-CN" baseline="-25000" dirty="0"/>
+              <a:t> </a:t>
+            </a:r>
+            <a:r>
+              <a:rPr lang="en-US" altLang="zh-CN" dirty="0"/>
+              <a:t>|</a:t>
+            </a:r>
+            <a:r>
+              <a:rPr lang="en-US" altLang="zh-CN" dirty="0" err="1"/>
+              <a:t>V•N</a:t>
+            </a:r>
+            <a:r>
+              <a:rPr lang="en-US" altLang="zh-CN" baseline="-25000" dirty="0" err="1"/>
+              <a:t>hit</a:t>
+            </a:r>
+            <a:r>
+              <a:rPr lang="en-US" altLang="zh-CN" dirty="0"/>
+              <a:t>|</a:t>
+            </a:r>
+            <a:endParaRPr lang="zh-CN" altLang="en-US" dirty="0"/>
+          </a:p>
+          <a:p>
+            <a:endParaRPr lang="zh-CN" altLang="en-US" dirty="0"/>
+          </a:p>
+        </p:txBody>
+      </p:sp>
+      <p:sp>
+        <p:nvSpPr>
+          <p:cNvPr id="17" name="文本框 16">
+            <a:extLst>
+              <a:ext uri="{FF2B5EF4-FFF2-40B4-BE49-F238E27FC236}">
+                <a16:creationId xmlns:a16="http://schemas.microsoft.com/office/drawing/2014/main" id="{38F9EBBA-DB47-4486-A689-3A9EB1D84383}"/>
+              </a:ext>
+            </a:extLst>
+          </p:cNvPr>
+          <p:cNvSpPr txBox="1"/>
+          <p:nvPr/>
+        </p:nvSpPr>
+        <p:spPr>
+          <a:xfrm>
+            <a:off x="3301340" y="5298455"/>
+            <a:ext cx="772969" cy="369332"/>
+          </a:xfrm>
+          <a:prstGeom prst="rect">
+            <a:avLst/>
+          </a:prstGeom>
+          <a:noFill/>
+        </p:spPr>
+        <p:txBody>
+          <a:bodyPr wrap="none" rtlCol="0">
+            <a:spAutoFit/>
+          </a:bodyPr>
+          <a:lstStyle/>
+          <a:p>
+            <a:r>
+              <a:rPr lang="zh-CN" altLang="en-US" dirty="0"/>
+              <a:t>策略</a:t>
+            </a:r>
+            <a:r>
+              <a:rPr lang="en-US" altLang="zh-CN" dirty="0"/>
+              <a:t>2</a:t>
+            </a:r>
+            <a:endParaRPr lang="zh-CN" altLang="en-US" dirty="0"/>
+          </a:p>
+        </p:txBody>
+      </p:sp>
+      <p:sp>
+        <p:nvSpPr>
+          <p:cNvPr id="18" name="文本框 17">
+            <a:extLst>
+              <a:ext uri="{FF2B5EF4-FFF2-40B4-BE49-F238E27FC236}">
+                <a16:creationId xmlns:a16="http://schemas.microsoft.com/office/drawing/2014/main" id="{0C4772A9-E610-4D3F-9930-2039FE7374F9}"/>
+              </a:ext>
+            </a:extLst>
+          </p:cNvPr>
+          <p:cNvSpPr txBox="1"/>
+          <p:nvPr/>
+        </p:nvSpPr>
+        <p:spPr>
+          <a:xfrm>
+            <a:off x="3828095" y="3153240"/>
+            <a:ext cx="773594" cy="369332"/>
+          </a:xfrm>
+          <a:prstGeom prst="rect">
+            <a:avLst/>
+          </a:prstGeom>
+          <a:noFill/>
+        </p:spPr>
+        <p:txBody>
+          <a:bodyPr wrap="square" rtlCol="0">
+            <a:spAutoFit/>
+          </a:bodyPr>
+          <a:lstStyle/>
+          <a:p>
+            <a:r>
+              <a:rPr lang="zh-CN" altLang="en-US" dirty="0"/>
+              <a:t>策略</a:t>
+            </a:r>
+            <a:r>
+              <a:rPr lang="en-US" altLang="zh-CN" dirty="0"/>
+              <a:t>1</a:t>
+            </a:r>
+            <a:endParaRPr lang="zh-CN" altLang="en-US" dirty="0"/>
+          </a:p>
+        </p:txBody>
+      </p:sp>
+    </p:spTree>
+    <p:extLst>
+      <p:ext uri="{BB962C8B-B14F-4D97-AF65-F5344CB8AC3E}">
+        <p14:creationId xmlns:p14="http://schemas.microsoft.com/office/powerpoint/2010/main" val="2595558707"/>
+      </p:ext>
+    </p:extLst>
+  </p:cSld>
+  <p:clrMapOvr>
+    <a:masterClrMapping/>
+  </p:clrMapOvr>
+</p:sld>
+</file>
+
+<file path=ppt/slides/slide7.xml><?xml version="1.0" encoding="utf-8"?>
+<p:sld xmlns:a="http://schemas.openxmlformats.org/drawingml/2006/main" xmlns:r="http://schemas.openxmlformats.org/officeDocument/2006/relationships" xmlns:p="http://schemas.openxmlformats.org/presentationml/2006/main">
+  <p:cSld>
+    <p:spTree>
+      <p:nvGrpSpPr>
+        <p:cNvPr id="1" name=""/>
+        <p:cNvGrpSpPr/>
+        <p:nvPr/>
+      </p:nvGrpSpPr>
+      <p:grpSpPr>
+        <a:xfrm>
+          <a:off x="0" y="0"/>
+          <a:ext cx="0" cy="0"/>
+          <a:chOff x="0" y="0"/>
+          <a:chExt cx="0" cy="0"/>
+        </a:xfrm>
+      </p:grpSpPr>
+      <p:sp>
+        <p:nvSpPr>
+          <p:cNvPr id="2" name="标题 1">
+            <a:extLst>
+              <a:ext uri="{FF2B5EF4-FFF2-40B4-BE49-F238E27FC236}">
+                <a16:creationId xmlns:a16="http://schemas.microsoft.com/office/drawing/2014/main" id="{C7C364B6-05EF-4EC5-96CA-3ACE17245397}"/>
+              </a:ext>
+            </a:extLst>
+          </p:cNvPr>
+          <p:cNvSpPr>
+            <a:spLocks noGrp="1"/>
+          </p:cNvSpPr>
+          <p:nvPr>
+            <p:ph type="title"/>
+          </p:nvPr>
+        </p:nvSpPr>
+        <p:spPr/>
+        <p:txBody>
+          <a:bodyPr/>
+          <a:lstStyle/>
+          <a:p>
+            <a:r>
+              <a:rPr lang="zh-CN" altLang="en-US"/>
+              <a:t>调参数</a:t>
+            </a:r>
+          </a:p>
+        </p:txBody>
+      </p:sp>
+      <p:sp>
+        <p:nvSpPr>
+          <p:cNvPr id="3" name="内容占位符 2">
+            <a:extLst>
+              <a:ext uri="{FF2B5EF4-FFF2-40B4-BE49-F238E27FC236}">
+                <a16:creationId xmlns:a16="http://schemas.microsoft.com/office/drawing/2014/main" id="{ECEC0667-DB72-43D8-90D0-D1F1B60FE575}"/>
+              </a:ext>
+            </a:extLst>
+          </p:cNvPr>
+          <p:cNvSpPr>
+            <a:spLocks noGrp="1"/>
+          </p:cNvSpPr>
+          <p:nvPr>
+            <p:ph sz="quarter" idx="13"/>
+          </p:nvPr>
+        </p:nvSpPr>
+        <p:spPr/>
+        <p:txBody>
+          <a:bodyPr/>
+          <a:lstStyle/>
+          <a:p>
+            <a:endParaRPr lang="zh-CN" altLang="en-US"/>
+          </a:p>
+        </p:txBody>
+      </p:sp>
+    </p:spTree>
+    <p:extLst>
+      <p:ext uri="{BB962C8B-B14F-4D97-AF65-F5344CB8AC3E}">
+        <p14:creationId xmlns:p14="http://schemas.microsoft.com/office/powerpoint/2010/main" val="350026355"/>
       </p:ext>
     </p:extLst>
   </p:cSld>

--- a/FinalProject/report.pptx
+++ b/FinalProject/report.pptx
@@ -7856,9 +7856,18 @@
           <a:lstStyle/>
           <a:p>
             <a:r>
-              <a:rPr lang="zh-CN" altLang="en-US"/>
-              <a:t>调参数</a:t>
-            </a:r>
+              <a:rPr lang="en-US" altLang="zh-CN" sz="3600" b="1" i="0" u="none" strike="noStrike" cap="none" dirty="0" err="1">
+                <a:latin typeface="Arial" panose="020B0604020202020204" pitchFamily="34" charset="0"/>
+              </a:rPr>
+              <a:t>dmfp</a:t>
+            </a:r>
+            <a:r>
+              <a:rPr lang="en-US" altLang="zh-CN" sz="3600" b="1" i="0" u="none" strike="noStrike" cap="none" dirty="0">
+                <a:latin typeface="Arial" panose="020B0604020202020204" pitchFamily="34" charset="0"/>
+              </a:rPr>
+              <a:t> as parameter</a:t>
+            </a:r>
+            <a:endParaRPr lang="zh-CN" altLang="en-US" cap="none" dirty="0"/>
           </a:p>
         </p:txBody>
       </p:sp>
@@ -7878,15 +7887,255 @@
             <p:ph sz="quarter" idx="13"/>
           </p:nvPr>
         </p:nvSpPr>
-        <p:spPr/>
+        <p:spPr>
+          <a:xfrm>
+            <a:off x="688143" y="5857613"/>
+            <a:ext cx="10363826" cy="536368"/>
+          </a:xfrm>
+        </p:spPr>
         <p:txBody>
           <a:bodyPr/>
           <a:lstStyle/>
           <a:p>
-            <a:endParaRPr lang="zh-CN" altLang="en-US"/>
-          </a:p>
-        </p:txBody>
-      </p:sp>
+            <a:pPr marL="0" indent="0">
+              <a:buNone/>
+            </a:pPr>
+            <a:r>
+              <a:rPr lang="zh-CN" altLang="en-US" cap="none" dirty="0"/>
+              <a:t>来自：</a:t>
+            </a:r>
+            <a:r>
+              <a:rPr lang="en-US" altLang="zh-CN" cap="none" dirty="0"/>
+              <a:t>https://zhuanlan.zhihu.com/p/21247702</a:t>
+            </a:r>
+            <a:endParaRPr lang="zh-CN" altLang="en-US" cap="none" dirty="0"/>
+          </a:p>
+        </p:txBody>
+      </p:sp>
+      <p:pic>
+        <p:nvPicPr>
+          <p:cNvPr id="15" name="图片 14">
+            <a:extLst>
+              <a:ext uri="{FF2B5EF4-FFF2-40B4-BE49-F238E27FC236}">
+                <a16:creationId xmlns:a16="http://schemas.microsoft.com/office/drawing/2014/main" id="{EE474EF6-AFF4-42F4-878C-C8BD0142AD39}"/>
+              </a:ext>
+            </a:extLst>
+          </p:cNvPr>
+          <p:cNvPicPr>
+            <a:picLocks noChangeAspect="1"/>
+          </p:cNvPicPr>
+          <p:nvPr/>
+        </p:nvPicPr>
+        <p:blipFill>
+          <a:blip r:embed="rId2"/>
+          <a:stretch>
+            <a:fillRect/>
+          </a:stretch>
+        </p:blipFill>
+        <p:spPr>
+          <a:xfrm>
+            <a:off x="611495" y="2060315"/>
+            <a:ext cx="1431060" cy="431279"/>
+          </a:xfrm>
+          <a:prstGeom prst="rect">
+            <a:avLst/>
+          </a:prstGeom>
+        </p:spPr>
+      </p:pic>
+      <p:pic>
+        <p:nvPicPr>
+          <p:cNvPr id="19" name="图片 18">
+            <a:extLst>
+              <a:ext uri="{FF2B5EF4-FFF2-40B4-BE49-F238E27FC236}">
+                <a16:creationId xmlns:a16="http://schemas.microsoft.com/office/drawing/2014/main" id="{72F55220-254F-4E6F-8711-F4BC842AC912}"/>
+              </a:ext>
+            </a:extLst>
+          </p:cNvPr>
+          <p:cNvPicPr>
+            <a:picLocks noChangeAspect="1"/>
+          </p:cNvPicPr>
+          <p:nvPr/>
+        </p:nvPicPr>
+        <p:blipFill>
+          <a:blip r:embed="rId3"/>
+          <a:stretch>
+            <a:fillRect/>
+          </a:stretch>
+        </p:blipFill>
+        <p:spPr>
+          <a:xfrm>
+            <a:off x="2344835" y="2068705"/>
+            <a:ext cx="2564572" cy="431279"/>
+          </a:xfrm>
+          <a:prstGeom prst="rect">
+            <a:avLst/>
+          </a:prstGeom>
+        </p:spPr>
+      </p:pic>
+      <p:pic>
+        <p:nvPicPr>
+          <p:cNvPr id="21" name="图片 20">
+            <a:extLst>
+              <a:ext uri="{FF2B5EF4-FFF2-40B4-BE49-F238E27FC236}">
+                <a16:creationId xmlns:a16="http://schemas.microsoft.com/office/drawing/2014/main" id="{66F173CD-FF60-4DC0-9AB5-C842B658392E}"/>
+              </a:ext>
+            </a:extLst>
+          </p:cNvPr>
+          <p:cNvPicPr>
+            <a:picLocks noChangeAspect="1"/>
+          </p:cNvPicPr>
+          <p:nvPr/>
+        </p:nvPicPr>
+        <p:blipFill>
+          <a:blip r:embed="rId4"/>
+          <a:stretch>
+            <a:fillRect/>
+          </a:stretch>
+        </p:blipFill>
+        <p:spPr>
+          <a:xfrm>
+            <a:off x="5058263" y="2033751"/>
+            <a:ext cx="1948178" cy="537152"/>
+          </a:xfrm>
+          <a:prstGeom prst="rect">
+            <a:avLst/>
+          </a:prstGeom>
+        </p:spPr>
+      </p:pic>
+      <p:pic>
+        <p:nvPicPr>
+          <p:cNvPr id="23" name="图片 22">
+            <a:extLst>
+              <a:ext uri="{FF2B5EF4-FFF2-40B4-BE49-F238E27FC236}">
+                <a16:creationId xmlns:a16="http://schemas.microsoft.com/office/drawing/2014/main" id="{1D06788B-4B64-4769-9196-449BF18EE662}"/>
+              </a:ext>
+            </a:extLst>
+          </p:cNvPr>
+          <p:cNvPicPr>
+            <a:picLocks noChangeAspect="1"/>
+          </p:cNvPicPr>
+          <p:nvPr/>
+        </p:nvPicPr>
+        <p:blipFill>
+          <a:blip r:embed="rId5"/>
+          <a:stretch>
+            <a:fillRect/>
+          </a:stretch>
+        </p:blipFill>
+        <p:spPr>
+          <a:xfrm>
+            <a:off x="612241" y="2727509"/>
+            <a:ext cx="3948630" cy="753039"/>
+          </a:xfrm>
+          <a:prstGeom prst="rect">
+            <a:avLst/>
+          </a:prstGeom>
+        </p:spPr>
+      </p:pic>
+      <p:sp>
+        <p:nvSpPr>
+          <p:cNvPr id="24" name="文本框 23">
+            <a:extLst>
+              <a:ext uri="{FF2B5EF4-FFF2-40B4-BE49-F238E27FC236}">
+                <a16:creationId xmlns:a16="http://schemas.microsoft.com/office/drawing/2014/main" id="{CE949413-8C28-4F3D-9A20-3B6DB49FC451}"/>
+              </a:ext>
+            </a:extLst>
+          </p:cNvPr>
+          <p:cNvSpPr txBox="1"/>
+          <p:nvPr/>
+        </p:nvSpPr>
+        <p:spPr>
+          <a:xfrm>
+            <a:off x="4909407" y="2882136"/>
+            <a:ext cx="1691489" cy="369332"/>
+          </a:xfrm>
+          <a:prstGeom prst="rect">
+            <a:avLst/>
+          </a:prstGeom>
+          <a:noFill/>
+        </p:spPr>
+        <p:txBody>
+          <a:bodyPr wrap="none" rtlCol="0">
+            <a:spAutoFit/>
+          </a:bodyPr>
+          <a:lstStyle/>
+          <a:p>
+            <a:r>
+              <a:rPr lang="en-US" altLang="zh-CN" dirty="0"/>
+              <a:t>A</a:t>
+            </a:r>
+            <a:r>
+              <a:rPr lang="zh-CN" altLang="en-US" dirty="0"/>
+              <a:t>取</a:t>
+            </a:r>
+            <a:r>
+              <a:rPr lang="en-US" altLang="zh-CN" dirty="0"/>
+              <a:t>diffuse color</a:t>
+            </a:r>
+            <a:endParaRPr lang="zh-CN" altLang="en-US" dirty="0"/>
+          </a:p>
+        </p:txBody>
+      </p:sp>
+      <p:pic>
+        <p:nvPicPr>
+          <p:cNvPr id="26" name="图片 25">
+            <a:extLst>
+              <a:ext uri="{FF2B5EF4-FFF2-40B4-BE49-F238E27FC236}">
+                <a16:creationId xmlns:a16="http://schemas.microsoft.com/office/drawing/2014/main" id="{40FBF2CF-7456-4149-A0D0-2D498F76CC88}"/>
+              </a:ext>
+            </a:extLst>
+          </p:cNvPr>
+          <p:cNvPicPr>
+            <a:picLocks noChangeAspect="1"/>
+          </p:cNvPicPr>
+          <p:nvPr/>
+        </p:nvPicPr>
+        <p:blipFill>
+          <a:blip r:embed="rId6"/>
+          <a:stretch>
+            <a:fillRect/>
+          </a:stretch>
+        </p:blipFill>
+        <p:spPr>
+          <a:xfrm>
+            <a:off x="7053318" y="2782269"/>
+            <a:ext cx="2215819" cy="536369"/>
+          </a:xfrm>
+          <a:prstGeom prst="rect">
+            <a:avLst/>
+          </a:prstGeom>
+        </p:spPr>
+      </p:pic>
+      <p:pic>
+        <p:nvPicPr>
+          <p:cNvPr id="28" name="图片 27">
+            <a:extLst>
+              <a:ext uri="{FF2B5EF4-FFF2-40B4-BE49-F238E27FC236}">
+                <a16:creationId xmlns:a16="http://schemas.microsoft.com/office/drawing/2014/main" id="{F4B1FE9F-2D1F-4533-B60E-E360598383C1}"/>
+              </a:ext>
+            </a:extLst>
+          </p:cNvPr>
+          <p:cNvPicPr>
+            <a:picLocks noChangeAspect="1"/>
+          </p:cNvPicPr>
+          <p:nvPr/>
+        </p:nvPicPr>
+        <p:blipFill>
+          <a:blip r:embed="rId7"/>
+          <a:stretch>
+            <a:fillRect/>
+          </a:stretch>
+        </p:blipFill>
+        <p:spPr>
+          <a:xfrm>
+            <a:off x="530011" y="3601795"/>
+            <a:ext cx="8584302" cy="2088867"/>
+          </a:xfrm>
+          <a:prstGeom prst="rect">
+            <a:avLst/>
+          </a:prstGeom>
+        </p:spPr>
+      </p:pic>
     </p:spTree>
     <p:extLst>
       <p:ext uri="{BB962C8B-B14F-4D97-AF65-F5344CB8AC3E}">
